--- a/DbIndexes.pptx
+++ b/DbIndexes.pptx
@@ -15,6 +15,7 @@
     <p:sldId id="264" r:id="rId9"/>
     <p:sldId id="265" r:id="rId10"/>
     <p:sldId id="266" r:id="rId11"/>
+    <p:sldId id="267" r:id="rId12"/>
   </p:sldIdLst>
   <p:sldSz cx="12192000" cy="6858000"/>
   <p:notesSz cx="6858000" cy="9144000"/>
@@ -3336,31 +3337,6 @@
           </a:p>
         </p:txBody>
       </p:sp>
-      <p:sp>
-        <p:nvSpPr>
-          <p:cNvPr id="3" name="Subtitle 2">
-            <a:extLst>
-              <a:ext uri="{FF2B5EF4-FFF2-40B4-BE49-F238E27FC236}">
-                <a16:creationId xmlns:a16="http://schemas.microsoft.com/office/drawing/2014/main" id="{18A9AE7B-63AF-BC4C-9DD4-343BC0A2555A}"/>
-              </a:ext>
-            </a:extLst>
-          </p:cNvPr>
-          <p:cNvSpPr>
-            <a:spLocks noGrp="1"/>
-          </p:cNvSpPr>
-          <p:nvPr>
-            <p:ph type="subTitle" idx="1"/>
-          </p:nvPr>
-        </p:nvSpPr>
-        <p:spPr/>
-        <p:txBody>
-          <a:bodyPr/>
-          <a:lstStyle/>
-          <a:p>
-            <a:endParaRPr lang="en-IL"/>
-          </a:p>
-        </p:txBody>
-      </p:sp>
     </p:spTree>
     <p:extLst>
       <p:ext uri="{BB962C8B-B14F-4D97-AF65-F5344CB8AC3E}">
@@ -3451,6 +3427,16 @@
           </a:p>
           <a:p>
             <a:r>
+              <a:rPr lang="en-US" dirty="0"/>
+              <a:t>I</a:t>
+            </a:r>
+            <a:r>
+              <a:rPr lang="en-IL" dirty="0"/>
+              <a:t>nsert, delete time</a:t>
+            </a:r>
+          </a:p>
+          <a:p>
+            <a:r>
               <a:rPr lang="en-IL" dirty="0"/>
               <a:t>Not always best practice</a:t>
             </a:r>
@@ -3459,9 +3445,16 @@
             <a:pPr lvl="1"/>
             <a:r>
               <a:rPr lang="en-US" dirty="0"/>
+              <a:t>DEMO</a:t>
+            </a:r>
+            <a:endParaRPr lang="en-IL" dirty="0"/>
+          </a:p>
+          <a:p>
+            <a:pPr lvl="1"/>
+            <a:r>
+              <a:rPr lang="en-US" dirty="0"/>
               <a:t>Querying could take longer time…</a:t>
             </a:r>
-            <a:endParaRPr lang="en-IL" dirty="0"/>
           </a:p>
         </p:txBody>
       </p:sp>
@@ -3469,6 +3462,464 @@
     <p:extLst>
       <p:ext uri="{BB962C8B-B14F-4D97-AF65-F5344CB8AC3E}">
         <p14:creationId xmlns:p14="http://schemas.microsoft.com/office/powerpoint/2010/main" val="3942746704"/>
+      </p:ext>
+    </p:extLst>
+  </p:cSld>
+  <p:clrMapOvr>
+    <a:masterClrMapping/>
+  </p:clrMapOvr>
+</p:sld>
+</file>
+
+<file path=ppt/slides/slide11.xml><?xml version="1.0" encoding="utf-8"?>
+<p:sld xmlns:a="http://schemas.openxmlformats.org/drawingml/2006/main" xmlns:r="http://schemas.openxmlformats.org/officeDocument/2006/relationships" xmlns:p="http://schemas.openxmlformats.org/presentationml/2006/main">
+  <p:cSld>
+    <p:bg>
+      <p:bgPr>
+        <a:solidFill>
+          <a:schemeClr val="bg2"/>
+        </a:solidFill>
+        <a:effectLst/>
+      </p:bgPr>
+    </p:bg>
+    <p:spTree>
+      <p:nvGrpSpPr>
+        <p:cNvPr id="1" name=""/>
+        <p:cNvGrpSpPr/>
+        <p:nvPr/>
+      </p:nvGrpSpPr>
+      <p:grpSpPr>
+        <a:xfrm>
+          <a:off x="0" y="0"/>
+          <a:ext cx="0" cy="0"/>
+          <a:chOff x="0" y="0"/>
+          <a:chExt cx="0" cy="0"/>
+        </a:xfrm>
+      </p:grpSpPr>
+      <p:sp>
+        <p:nvSpPr>
+          <p:cNvPr id="14" name="Rectangle 13">
+            <a:extLst>
+              <a:ext uri="{FF2B5EF4-FFF2-40B4-BE49-F238E27FC236}">
+                <a16:creationId xmlns:a16="http://schemas.microsoft.com/office/drawing/2014/main" id="{E7BA0EB7-B1AA-43B1-9BA3-B6B011D07A46}"/>
+              </a:ext>
+              <a:ext uri="{C183D7F6-B498-43B3-948B-1728B52AA6E4}">
+                <adec:decorative xmlns:adec="http://schemas.microsoft.com/office/drawing/2017/decorative" val="1"/>
+              </a:ext>
+            </a:extLst>
+          </p:cNvPr>
+          <p:cNvSpPr>
+            <a:spLocks noGrp="1" noRot="1" noChangeAspect="1" noMove="1" noResize="1" noEditPoints="1" noAdjustHandles="1" noChangeArrowheads="1" noChangeShapeType="1" noTextEdit="1"/>
+          </p:cNvSpPr>
+          <p:nvPr>
+            <p:extLst>
+              <p:ext uri="{386F3935-93C4-4BCD-93E2-E3B085C9AB24}">
+                <p16:designElem xmlns:p16="http://schemas.microsoft.com/office/powerpoint/2015/main" val="1"/>
+              </p:ext>
+            </p:extLst>
+          </p:nvPr>
+        </p:nvSpPr>
+        <p:spPr>
+          <a:xfrm>
+            <a:off x="0" y="-2"/>
+            <a:ext cx="6876939" cy="6858002"/>
+          </a:xfrm>
+          <a:prstGeom prst="rect">
+            <a:avLst/>
+          </a:prstGeom>
+          <a:solidFill>
+            <a:schemeClr val="accent2"/>
+          </a:solidFill>
+          <a:ln>
+            <a:noFill/>
+          </a:ln>
+        </p:spPr>
+        <p:style>
+          <a:lnRef idx="2">
+            <a:schemeClr val="accent1">
+              <a:shade val="50000"/>
+            </a:schemeClr>
+          </a:lnRef>
+          <a:fillRef idx="1">
+            <a:schemeClr val="accent1"/>
+          </a:fillRef>
+          <a:effectRef idx="0">
+            <a:schemeClr val="accent1"/>
+          </a:effectRef>
+          <a:fontRef idx="minor">
+            <a:schemeClr val="lt1"/>
+          </a:fontRef>
+        </p:style>
+        <p:txBody>
+          <a:bodyPr rtlCol="0" anchor="ctr"/>
+          <a:lstStyle/>
+          <a:p>
+            <a:pPr algn="ctr"/>
+            <a:endParaRPr lang="en-US"/>
+          </a:p>
+        </p:txBody>
+      </p:sp>
+      <p:sp>
+        <p:nvSpPr>
+          <p:cNvPr id="2" name="Title 1">
+            <a:extLst>
+              <a:ext uri="{FF2B5EF4-FFF2-40B4-BE49-F238E27FC236}">
+                <a16:creationId xmlns:a16="http://schemas.microsoft.com/office/drawing/2014/main" id="{95EAE570-E3BD-3540-9587-412B2C498103}"/>
+              </a:ext>
+            </a:extLst>
+          </p:cNvPr>
+          <p:cNvSpPr>
+            <a:spLocks noGrp="1"/>
+          </p:cNvSpPr>
+          <p:nvPr>
+            <p:ph type="ctrTitle"/>
+          </p:nvPr>
+        </p:nvSpPr>
+        <p:spPr>
+          <a:xfrm>
+            <a:off x="804671" y="1290025"/>
+            <a:ext cx="5291327" cy="1188720"/>
+          </a:xfrm>
+          <a:solidFill>
+            <a:srgbClr val="FFFFFF"/>
+          </a:solidFill>
+          <a:ln>
+            <a:solidFill>
+              <a:srgbClr val="404040"/>
+            </a:solidFill>
+          </a:ln>
+        </p:spPr>
+        <p:txBody>
+          <a:bodyPr vert="horz" lIns="182880" tIns="182880" rIns="182880" bIns="182880" rtlCol="0" anchor="ctr">
+            <a:normAutofit/>
+          </a:bodyPr>
+          <a:lstStyle/>
+          <a:p>
+            <a:r>
+              <a:rPr lang="en-US" sz="2800"/>
+              <a:t>Databases | index</a:t>
+            </a:r>
+          </a:p>
+        </p:txBody>
+      </p:sp>
+      <p:sp>
+        <p:nvSpPr>
+          <p:cNvPr id="4" name="TextBox 3">
+            <a:extLst>
+              <a:ext uri="{FF2B5EF4-FFF2-40B4-BE49-F238E27FC236}">
+                <a16:creationId xmlns:a16="http://schemas.microsoft.com/office/drawing/2014/main" id="{07C1165D-E9CC-0D44-8BB2-DDE1E2A1B150}"/>
+              </a:ext>
+            </a:extLst>
+          </p:cNvPr>
+          <p:cNvSpPr txBox="1"/>
+          <p:nvPr/>
+        </p:nvSpPr>
+        <p:spPr>
+          <a:xfrm>
+            <a:off x="804671" y="2858703"/>
+            <a:ext cx="5285791" cy="3042547"/>
+          </a:xfrm>
+          <a:prstGeom prst="rect">
+            <a:avLst/>
+          </a:prstGeom>
+        </p:spPr>
+        <p:txBody>
+          <a:bodyPr vert="horz" lIns="91440" tIns="45720" rIns="91440" bIns="45720" rtlCol="0">
+            <a:normAutofit/>
+          </a:bodyPr>
+          <a:lstStyle/>
+          <a:p>
+            <a:pPr marL="400050" indent="-342900" defTabSz="914400">
+              <a:spcBef>
+                <a:spcPts val="1000"/>
+              </a:spcBef>
+              <a:buClr>
+                <a:schemeClr val="bg1"/>
+              </a:buClr>
+              <a:buFont typeface="Wingdings" pitchFamily="2" charset="2"/>
+              <a:buChar char="ü"/>
+            </a:pPr>
+            <a:r>
+              <a:rPr lang="en-US" sz="2000" dirty="0">
+                <a:solidFill>
+                  <a:schemeClr val="bg1"/>
+                </a:solidFill>
+              </a:rPr>
+              <a:t>Example from real life</a:t>
+            </a:r>
+          </a:p>
+          <a:p>
+            <a:pPr marL="400050" indent="-342900" defTabSz="914400">
+              <a:spcBef>
+                <a:spcPts val="1000"/>
+              </a:spcBef>
+              <a:buClr>
+                <a:schemeClr val="bg1"/>
+              </a:buClr>
+              <a:buFont typeface="Wingdings" pitchFamily="2" charset="2"/>
+              <a:buChar char="ü"/>
+            </a:pPr>
+            <a:r>
+              <a:rPr lang="en-US" sz="2000" dirty="0">
+                <a:solidFill>
+                  <a:schemeClr val="bg1"/>
+                </a:solidFill>
+              </a:rPr>
+              <a:t>Full scan</a:t>
+            </a:r>
+          </a:p>
+          <a:p>
+            <a:pPr marL="400050" indent="-342900" defTabSz="914400">
+              <a:spcBef>
+                <a:spcPts val="1000"/>
+              </a:spcBef>
+              <a:buClr>
+                <a:schemeClr val="bg1"/>
+              </a:buClr>
+              <a:buFont typeface="Wingdings" pitchFamily="2" charset="2"/>
+              <a:buChar char="ü"/>
+            </a:pPr>
+            <a:r>
+              <a:rPr lang="en-US" sz="2000" dirty="0">
+                <a:solidFill>
+                  <a:schemeClr val="bg1"/>
+                </a:solidFill>
+              </a:rPr>
+              <a:t>Indexes concept</a:t>
+            </a:r>
+          </a:p>
+          <a:p>
+            <a:pPr marL="400050" indent="-342900" defTabSz="914400">
+              <a:spcBef>
+                <a:spcPts val="1000"/>
+              </a:spcBef>
+              <a:buClr>
+                <a:schemeClr val="bg1"/>
+              </a:buClr>
+              <a:buFont typeface="Wingdings" pitchFamily="2" charset="2"/>
+              <a:buChar char="ü"/>
+            </a:pPr>
+            <a:r>
+              <a:rPr lang="en-US" sz="2000" dirty="0">
+                <a:solidFill>
+                  <a:schemeClr val="bg1"/>
+                </a:solidFill>
+              </a:rPr>
+              <a:t>Index scan</a:t>
+            </a:r>
+          </a:p>
+          <a:p>
+            <a:pPr marL="400050" indent="-342900" defTabSz="914400">
+              <a:spcBef>
+                <a:spcPts val="1000"/>
+              </a:spcBef>
+              <a:buClr>
+                <a:schemeClr val="bg1"/>
+              </a:buClr>
+              <a:buFont typeface="Wingdings" pitchFamily="2" charset="2"/>
+              <a:buChar char="ü"/>
+            </a:pPr>
+            <a:r>
+              <a:rPr lang="en-US" sz="2000" dirty="0">
+                <a:solidFill>
+                  <a:schemeClr val="bg1"/>
+                </a:solidFill>
+              </a:rPr>
+              <a:t>Creating index</a:t>
+            </a:r>
+          </a:p>
+          <a:p>
+            <a:pPr marL="400050" indent="-342900" defTabSz="914400">
+              <a:spcBef>
+                <a:spcPts val="1000"/>
+              </a:spcBef>
+              <a:buClr>
+                <a:schemeClr val="bg1"/>
+              </a:buClr>
+              <a:buFont typeface="Wingdings" pitchFamily="2" charset="2"/>
+              <a:buChar char="ü"/>
+            </a:pPr>
+            <a:r>
+              <a:rPr lang="en-US" sz="2000" dirty="0">
+                <a:solidFill>
+                  <a:schemeClr val="bg1"/>
+                </a:solidFill>
+              </a:rPr>
+              <a:t>Why index in not always the best solution</a:t>
+            </a:r>
+          </a:p>
+        </p:txBody>
+      </p:sp>
+      <p:sp>
+        <p:nvSpPr>
+          <p:cNvPr id="16" name="Rectangle 15">
+            <a:extLst>
+              <a:ext uri="{FF2B5EF4-FFF2-40B4-BE49-F238E27FC236}">
+                <a16:creationId xmlns:a16="http://schemas.microsoft.com/office/drawing/2014/main" id="{D9653EDA-1A30-48B1-BF28-9986FD1D266D}"/>
+              </a:ext>
+              <a:ext uri="{C183D7F6-B498-43B3-948B-1728B52AA6E4}">
+                <adec:decorative xmlns:adec="http://schemas.microsoft.com/office/drawing/2017/decorative" val="1"/>
+              </a:ext>
+            </a:extLst>
+          </p:cNvPr>
+          <p:cNvSpPr>
+            <a:spLocks noGrp="1" noRot="1" noChangeAspect="1" noMove="1" noResize="1" noEditPoints="1" noAdjustHandles="1" noChangeArrowheads="1" noChangeShapeType="1" noTextEdit="1"/>
+          </p:cNvSpPr>
+          <p:nvPr>
+            <p:extLst>
+              <p:ext uri="{386F3935-93C4-4BCD-93E2-E3B085C9AB24}">
+                <p16:designElem xmlns:p16="http://schemas.microsoft.com/office/powerpoint/2015/main" val="1"/>
+              </p:ext>
+            </p:extLst>
+          </p:nvPr>
+        </p:nvSpPr>
+        <p:spPr>
+          <a:xfrm>
+            <a:off x="7534656" y="640080"/>
+            <a:ext cx="4017264" cy="5261170"/>
+          </a:xfrm>
+          <a:prstGeom prst="rect">
+            <a:avLst/>
+          </a:prstGeom>
+          <a:noFill/>
+          <a:ln w="31750" cap="sq">
+            <a:solidFill>
+              <a:srgbClr val="FFFFFF"/>
+            </a:solidFill>
+            <a:miter lim="800000"/>
+          </a:ln>
+        </p:spPr>
+        <p:style>
+          <a:lnRef idx="2">
+            <a:schemeClr val="accent1">
+              <a:shade val="50000"/>
+            </a:schemeClr>
+          </a:lnRef>
+          <a:fillRef idx="1">
+            <a:schemeClr val="accent1"/>
+          </a:fillRef>
+          <a:effectRef idx="0">
+            <a:schemeClr val="accent1"/>
+          </a:effectRef>
+          <a:fontRef idx="minor">
+            <a:schemeClr val="lt1"/>
+          </a:fontRef>
+        </p:style>
+        <p:txBody>
+          <a:bodyPr rtlCol="0" anchor="ctr"/>
+          <a:lstStyle/>
+          <a:p>
+            <a:pPr algn="ctr"/>
+            <a:endParaRPr lang="en-US" dirty="0"/>
+          </a:p>
+        </p:txBody>
+      </p:sp>
+      <p:sp>
+        <p:nvSpPr>
+          <p:cNvPr id="18" name="Rectangle 17">
+            <a:extLst>
+              <a:ext uri="{FF2B5EF4-FFF2-40B4-BE49-F238E27FC236}">
+                <a16:creationId xmlns:a16="http://schemas.microsoft.com/office/drawing/2014/main" id="{CAF4B266-6894-41F1-94B6-1814A0EFE558}"/>
+              </a:ext>
+              <a:ext uri="{C183D7F6-B498-43B3-948B-1728B52AA6E4}">
+                <adec:decorative xmlns:adec="http://schemas.microsoft.com/office/drawing/2017/decorative" val="1"/>
+              </a:ext>
+            </a:extLst>
+          </p:cNvPr>
+          <p:cNvSpPr>
+            <a:spLocks noGrp="1" noRot="1" noChangeAspect="1" noMove="1" noResize="1" noEditPoints="1" noAdjustHandles="1" noChangeArrowheads="1" noChangeShapeType="1" noTextEdit="1"/>
+          </p:cNvSpPr>
+          <p:nvPr>
+            <p:extLst>
+              <p:ext uri="{386F3935-93C4-4BCD-93E2-E3B085C9AB24}">
+                <p16:designElem xmlns:p16="http://schemas.microsoft.com/office/powerpoint/2015/main" val="1"/>
+              </p:ext>
+            </p:extLst>
+          </p:nvPr>
+        </p:nvSpPr>
+        <p:spPr>
+          <a:xfrm>
+            <a:off x="7700772" y="806357"/>
+            <a:ext cx="3685032" cy="4928616"/>
+          </a:xfrm>
+          <a:prstGeom prst="rect">
+            <a:avLst/>
+          </a:prstGeom>
+          <a:solidFill>
+            <a:srgbClr val="FFFFFF"/>
+          </a:solidFill>
+          <a:ln>
+            <a:noFill/>
+          </a:ln>
+        </p:spPr>
+        <p:style>
+          <a:lnRef idx="2">
+            <a:schemeClr val="accent1">
+              <a:shade val="50000"/>
+            </a:schemeClr>
+          </a:lnRef>
+          <a:fillRef idx="1">
+            <a:schemeClr val="accent1"/>
+          </a:fillRef>
+          <a:effectRef idx="0">
+            <a:schemeClr val="accent1"/>
+          </a:effectRef>
+          <a:fontRef idx="minor">
+            <a:schemeClr val="lt1"/>
+          </a:fontRef>
+        </p:style>
+        <p:txBody>
+          <a:bodyPr rtlCol="0" anchor="ctr"/>
+          <a:lstStyle/>
+          <a:p>
+            <a:pPr algn="ctr"/>
+            <a:endParaRPr lang="en-US"/>
+          </a:p>
+        </p:txBody>
+      </p:sp>
+      <p:pic>
+        <p:nvPicPr>
+          <p:cNvPr id="6" name="Graphic 5" descr="Database">
+            <a:extLst>
+              <a:ext uri="{FF2B5EF4-FFF2-40B4-BE49-F238E27FC236}">
+                <a16:creationId xmlns:a16="http://schemas.microsoft.com/office/drawing/2014/main" id="{5C7AF8F3-DC11-4C67-AB38-2CD73628BD8D}"/>
+              </a:ext>
+            </a:extLst>
+          </p:cNvPr>
+          <p:cNvPicPr>
+            <a:picLocks noChangeAspect="1"/>
+          </p:cNvPicPr>
+          <p:nvPr/>
+        </p:nvPicPr>
+        <p:blipFill>
+          <a:blip r:embed="rId2">
+            <a:extLst>
+              <a:ext uri="{28A0092B-C50C-407E-A947-70E740481C1C}">
+                <a14:useLocalDpi xmlns:a14="http://schemas.microsoft.com/office/drawing/2010/main" val="0"/>
+              </a:ext>
+              <a:ext uri="{96DAC541-7B7A-43D3-8B79-37D633B846F1}">
+                <asvg:svgBlip xmlns:asvg="http://schemas.microsoft.com/office/drawing/2016/SVG/main" r:embed="rId3"/>
+              </a:ext>
+            </a:extLst>
+          </a:blip>
+          <a:stretch>
+            <a:fillRect/>
+          </a:stretch>
+        </p:blipFill>
+        <p:spPr>
+          <a:xfrm>
+            <a:off x="7865364" y="1592741"/>
+            <a:ext cx="3355848" cy="3355848"/>
+          </a:xfrm>
+          <a:prstGeom prst="rect">
+            <a:avLst/>
+          </a:prstGeom>
+        </p:spPr>
+      </p:pic>
+    </p:spTree>
+    <p:extLst>
+      <p:ext uri="{BB962C8B-B14F-4D97-AF65-F5344CB8AC3E}">
+        <p14:creationId xmlns:p14="http://schemas.microsoft.com/office/powerpoint/2010/main" val="3167700522"/>
       </p:ext>
     </p:extLst>
   </p:cSld>
@@ -4030,25 +4481,13 @@
           <a:p>
             <a:r>
               <a:rPr lang="en-IL" dirty="0"/>
-              <a:t>Let’s think about </a:t>
-            </a:r>
-            <a:r>
-              <a:rPr lang="en-IL"/>
-              <a:t>T</a:t>
-            </a:r>
+              <a:t>Let’s think about ASOS.</a:t>
+            </a:r>
+          </a:p>
+          <a:p>
             <a:r>
               <a:rPr lang="en-IL" dirty="0"/>
-              <a:t>ASOS.</a:t>
-            </a:r>
-          </a:p>
-          <a:p>
-            <a:r>
-              <a:rPr lang="en-IL"/>
-              <a:t>T</a:t>
-            </a:r>
-            <a:r>
-              <a:rPr lang="en-IL" dirty="0"/>
-              <a:t>ASOS in a retail company that sells clothing items online and ship it worldwide.</a:t>
+              <a:t>ASOS in a retail company that sells clothing items online and ships it worldwide.</a:t>
             </a:r>
           </a:p>
           <a:p>
@@ -4493,6 +4932,382 @@
   <p:clrMapOvr>
     <a:masterClrMapping/>
   </p:clrMapOvr>
+  <p:timing>
+    <p:tnLst>
+      <p:par>
+        <p:cTn id="1" dur="indefinite" restart="never" nodeType="tmRoot">
+          <p:childTnLst>
+            <p:seq concurrent="1" nextAc="seek">
+              <p:cTn id="2" dur="indefinite" nodeType="mainSeq">
+                <p:childTnLst>
+                  <p:par>
+                    <p:cTn id="3" fill="hold">
+                      <p:stCondLst>
+                        <p:cond delay="indefinite"/>
+                      </p:stCondLst>
+                      <p:childTnLst>
+                        <p:par>
+                          <p:cTn id="4" fill="hold">
+                            <p:stCondLst>
+                              <p:cond delay="0"/>
+                            </p:stCondLst>
+                            <p:childTnLst>
+                              <p:par>
+                                <p:cTn id="5" presetID="1" presetClass="entr" presetSubtype="0" fill="hold" grpId="0" nodeType="clickEffect">
+                                  <p:stCondLst>
+                                    <p:cond delay="0"/>
+                                  </p:stCondLst>
+                                  <p:childTnLst>
+                                    <p:set>
+                                      <p:cBhvr>
+                                        <p:cTn id="6" dur="1" fill="hold">
+                                          <p:stCondLst>
+                                            <p:cond delay="0"/>
+                                          </p:stCondLst>
+                                        </p:cTn>
+                                        <p:tgtEl>
+                                          <p:spTgt spid="3">
+                                            <p:txEl>
+                                              <p:pRg st="0" end="0"/>
+                                            </p:txEl>
+                                          </p:spTgt>
+                                        </p:tgtEl>
+                                        <p:attrNameLst>
+                                          <p:attrName>style.visibility</p:attrName>
+                                        </p:attrNameLst>
+                                      </p:cBhvr>
+                                      <p:to>
+                                        <p:strVal val="visible"/>
+                                      </p:to>
+                                    </p:set>
+                                  </p:childTnLst>
+                                </p:cTn>
+                              </p:par>
+                            </p:childTnLst>
+                          </p:cTn>
+                        </p:par>
+                      </p:childTnLst>
+                    </p:cTn>
+                  </p:par>
+                  <p:par>
+                    <p:cTn id="7" fill="hold">
+                      <p:stCondLst>
+                        <p:cond delay="indefinite"/>
+                      </p:stCondLst>
+                      <p:childTnLst>
+                        <p:par>
+                          <p:cTn id="8" fill="hold">
+                            <p:stCondLst>
+                              <p:cond delay="0"/>
+                            </p:stCondLst>
+                            <p:childTnLst>
+                              <p:par>
+                                <p:cTn id="9" presetID="1" presetClass="entr" presetSubtype="0" fill="hold" grpId="0" nodeType="clickEffect">
+                                  <p:stCondLst>
+                                    <p:cond delay="0"/>
+                                  </p:stCondLst>
+                                  <p:childTnLst>
+                                    <p:set>
+                                      <p:cBhvr>
+                                        <p:cTn id="10" dur="1" fill="hold">
+                                          <p:stCondLst>
+                                            <p:cond delay="0"/>
+                                          </p:stCondLst>
+                                        </p:cTn>
+                                        <p:tgtEl>
+                                          <p:spTgt spid="3">
+                                            <p:txEl>
+                                              <p:pRg st="1" end="1"/>
+                                            </p:txEl>
+                                          </p:spTgt>
+                                        </p:tgtEl>
+                                        <p:attrNameLst>
+                                          <p:attrName>style.visibility</p:attrName>
+                                        </p:attrNameLst>
+                                      </p:cBhvr>
+                                      <p:to>
+                                        <p:strVal val="visible"/>
+                                      </p:to>
+                                    </p:set>
+                                  </p:childTnLst>
+                                </p:cTn>
+                              </p:par>
+                            </p:childTnLst>
+                          </p:cTn>
+                        </p:par>
+                      </p:childTnLst>
+                    </p:cTn>
+                  </p:par>
+                  <p:par>
+                    <p:cTn id="11" fill="hold">
+                      <p:stCondLst>
+                        <p:cond delay="indefinite"/>
+                      </p:stCondLst>
+                      <p:childTnLst>
+                        <p:par>
+                          <p:cTn id="12" fill="hold">
+                            <p:stCondLst>
+                              <p:cond delay="0"/>
+                            </p:stCondLst>
+                            <p:childTnLst>
+                              <p:par>
+                                <p:cTn id="13" presetID="1" presetClass="entr" presetSubtype="0" fill="hold" grpId="0" nodeType="clickEffect">
+                                  <p:stCondLst>
+                                    <p:cond delay="0"/>
+                                  </p:stCondLst>
+                                  <p:childTnLst>
+                                    <p:set>
+                                      <p:cBhvr>
+                                        <p:cTn id="14" dur="1" fill="hold">
+                                          <p:stCondLst>
+                                            <p:cond delay="0"/>
+                                          </p:stCondLst>
+                                        </p:cTn>
+                                        <p:tgtEl>
+                                          <p:spTgt spid="3">
+                                            <p:txEl>
+                                              <p:pRg st="2" end="2"/>
+                                            </p:txEl>
+                                          </p:spTgt>
+                                        </p:tgtEl>
+                                        <p:attrNameLst>
+                                          <p:attrName>style.visibility</p:attrName>
+                                        </p:attrNameLst>
+                                      </p:cBhvr>
+                                      <p:to>
+                                        <p:strVal val="visible"/>
+                                      </p:to>
+                                    </p:set>
+                                  </p:childTnLst>
+                                </p:cTn>
+                              </p:par>
+                            </p:childTnLst>
+                          </p:cTn>
+                        </p:par>
+                      </p:childTnLst>
+                    </p:cTn>
+                  </p:par>
+                  <p:par>
+                    <p:cTn id="15" fill="hold">
+                      <p:stCondLst>
+                        <p:cond delay="indefinite"/>
+                      </p:stCondLst>
+                      <p:childTnLst>
+                        <p:par>
+                          <p:cTn id="16" fill="hold">
+                            <p:stCondLst>
+                              <p:cond delay="0"/>
+                            </p:stCondLst>
+                            <p:childTnLst>
+                              <p:par>
+                                <p:cTn id="17" presetID="1" presetClass="entr" presetSubtype="0" fill="hold" grpId="0" nodeType="clickEffect">
+                                  <p:stCondLst>
+                                    <p:cond delay="0"/>
+                                  </p:stCondLst>
+                                  <p:childTnLst>
+                                    <p:set>
+                                      <p:cBhvr>
+                                        <p:cTn id="18" dur="1" fill="hold">
+                                          <p:stCondLst>
+                                            <p:cond delay="0"/>
+                                          </p:stCondLst>
+                                        </p:cTn>
+                                        <p:tgtEl>
+                                          <p:spTgt spid="3">
+                                            <p:txEl>
+                                              <p:pRg st="3" end="3"/>
+                                            </p:txEl>
+                                          </p:spTgt>
+                                        </p:tgtEl>
+                                        <p:attrNameLst>
+                                          <p:attrName>style.visibility</p:attrName>
+                                        </p:attrNameLst>
+                                      </p:cBhvr>
+                                      <p:to>
+                                        <p:strVal val="visible"/>
+                                      </p:to>
+                                    </p:set>
+                                  </p:childTnLst>
+                                </p:cTn>
+                              </p:par>
+                            </p:childTnLst>
+                          </p:cTn>
+                        </p:par>
+                      </p:childTnLst>
+                    </p:cTn>
+                  </p:par>
+                  <p:par>
+                    <p:cTn id="19" fill="hold">
+                      <p:stCondLst>
+                        <p:cond delay="indefinite"/>
+                      </p:stCondLst>
+                      <p:childTnLst>
+                        <p:par>
+                          <p:cTn id="20" fill="hold">
+                            <p:stCondLst>
+                              <p:cond delay="0"/>
+                            </p:stCondLst>
+                            <p:childTnLst>
+                              <p:par>
+                                <p:cTn id="21" presetID="1" presetClass="entr" presetSubtype="0" fill="hold" grpId="0" nodeType="clickEffect">
+                                  <p:stCondLst>
+                                    <p:cond delay="0"/>
+                                  </p:stCondLst>
+                                  <p:childTnLst>
+                                    <p:set>
+                                      <p:cBhvr>
+                                        <p:cTn id="22" dur="1" fill="hold">
+                                          <p:stCondLst>
+                                            <p:cond delay="0"/>
+                                          </p:stCondLst>
+                                        </p:cTn>
+                                        <p:tgtEl>
+                                          <p:spTgt spid="3">
+                                            <p:txEl>
+                                              <p:pRg st="4" end="4"/>
+                                            </p:txEl>
+                                          </p:spTgt>
+                                        </p:tgtEl>
+                                        <p:attrNameLst>
+                                          <p:attrName>style.visibility</p:attrName>
+                                        </p:attrNameLst>
+                                      </p:cBhvr>
+                                      <p:to>
+                                        <p:strVal val="visible"/>
+                                      </p:to>
+                                    </p:set>
+                                  </p:childTnLst>
+                                </p:cTn>
+                              </p:par>
+                            </p:childTnLst>
+                          </p:cTn>
+                        </p:par>
+                      </p:childTnLst>
+                    </p:cTn>
+                  </p:par>
+                  <p:par>
+                    <p:cTn id="23" fill="hold">
+                      <p:stCondLst>
+                        <p:cond delay="indefinite"/>
+                      </p:stCondLst>
+                      <p:childTnLst>
+                        <p:par>
+                          <p:cTn id="24" fill="hold">
+                            <p:stCondLst>
+                              <p:cond delay="0"/>
+                            </p:stCondLst>
+                            <p:childTnLst>
+                              <p:par>
+                                <p:cTn id="25" presetID="1" presetClass="entr" presetSubtype="0" fill="hold" grpId="0" nodeType="clickEffect">
+                                  <p:stCondLst>
+                                    <p:cond delay="0"/>
+                                  </p:stCondLst>
+                                  <p:childTnLst>
+                                    <p:set>
+                                      <p:cBhvr>
+                                        <p:cTn id="26" dur="1" fill="hold">
+                                          <p:stCondLst>
+                                            <p:cond delay="0"/>
+                                          </p:stCondLst>
+                                        </p:cTn>
+                                        <p:tgtEl>
+                                          <p:spTgt spid="3">
+                                            <p:txEl>
+                                              <p:pRg st="5" end="5"/>
+                                            </p:txEl>
+                                          </p:spTgt>
+                                        </p:tgtEl>
+                                        <p:attrNameLst>
+                                          <p:attrName>style.visibility</p:attrName>
+                                        </p:attrNameLst>
+                                      </p:cBhvr>
+                                      <p:to>
+                                        <p:strVal val="visible"/>
+                                      </p:to>
+                                    </p:set>
+                                  </p:childTnLst>
+                                </p:cTn>
+                              </p:par>
+                            </p:childTnLst>
+                          </p:cTn>
+                        </p:par>
+                      </p:childTnLst>
+                    </p:cTn>
+                  </p:par>
+                  <p:par>
+                    <p:cTn id="27" fill="hold">
+                      <p:stCondLst>
+                        <p:cond delay="indefinite"/>
+                      </p:stCondLst>
+                      <p:childTnLst>
+                        <p:par>
+                          <p:cTn id="28" fill="hold">
+                            <p:stCondLst>
+                              <p:cond delay="0"/>
+                            </p:stCondLst>
+                            <p:childTnLst>
+                              <p:par>
+                                <p:cTn id="29" presetID="1" presetClass="entr" presetSubtype="0" fill="hold" grpId="0" nodeType="clickEffect">
+                                  <p:stCondLst>
+                                    <p:cond delay="0"/>
+                                  </p:stCondLst>
+                                  <p:childTnLst>
+                                    <p:set>
+                                      <p:cBhvr>
+                                        <p:cTn id="30" dur="1" fill="hold">
+                                          <p:stCondLst>
+                                            <p:cond delay="0"/>
+                                          </p:stCondLst>
+                                        </p:cTn>
+                                        <p:tgtEl>
+                                          <p:spTgt spid="3">
+                                            <p:txEl>
+                                              <p:pRg st="6" end="6"/>
+                                            </p:txEl>
+                                          </p:spTgt>
+                                        </p:tgtEl>
+                                        <p:attrNameLst>
+                                          <p:attrName>style.visibility</p:attrName>
+                                        </p:attrNameLst>
+                                      </p:cBhvr>
+                                      <p:to>
+                                        <p:strVal val="visible"/>
+                                      </p:to>
+                                    </p:set>
+                                  </p:childTnLst>
+                                </p:cTn>
+                              </p:par>
+                            </p:childTnLst>
+                          </p:cTn>
+                        </p:par>
+                      </p:childTnLst>
+                    </p:cTn>
+                  </p:par>
+                </p:childTnLst>
+              </p:cTn>
+              <p:prevCondLst>
+                <p:cond evt="onPrev" delay="0">
+                  <p:tgtEl>
+                    <p:sldTgt/>
+                  </p:tgtEl>
+                </p:cond>
+              </p:prevCondLst>
+              <p:nextCondLst>
+                <p:cond evt="onNext" delay="0">
+                  <p:tgtEl>
+                    <p:sldTgt/>
+                  </p:tgtEl>
+                </p:cond>
+              </p:nextCondLst>
+            </p:seq>
+          </p:childTnLst>
+        </p:cTn>
+      </p:par>
+    </p:tnLst>
+    <p:bldLst>
+      <p:bldP spid="3" grpId="0" uiExpand="1" build="p"/>
+    </p:bldLst>
+  </p:timing>
 </p:sld>
 </file>
 
@@ -5223,6 +6038,428 @@
   <p:clrMapOvr>
     <a:masterClrMapping/>
   </p:clrMapOvr>
+  <p:timing>
+    <p:tnLst>
+      <p:par>
+        <p:cTn id="1" dur="indefinite" restart="never" nodeType="tmRoot">
+          <p:childTnLst>
+            <p:seq concurrent="1" nextAc="seek">
+              <p:cTn id="2" dur="indefinite" nodeType="mainSeq">
+                <p:childTnLst>
+                  <p:par>
+                    <p:cTn id="3" fill="hold">
+                      <p:stCondLst>
+                        <p:cond delay="indefinite"/>
+                      </p:stCondLst>
+                      <p:childTnLst>
+                        <p:par>
+                          <p:cTn id="4" fill="hold">
+                            <p:stCondLst>
+                              <p:cond delay="0"/>
+                            </p:stCondLst>
+                            <p:childTnLst>
+                              <p:par>
+                                <p:cTn id="5" presetID="1" presetClass="entr" presetSubtype="0" fill="hold" nodeType="clickEffect">
+                                  <p:stCondLst>
+                                    <p:cond delay="0"/>
+                                  </p:stCondLst>
+                                  <p:childTnLst>
+                                    <p:set>
+                                      <p:cBhvr>
+                                        <p:cTn id="6" dur="1" fill="hold">
+                                          <p:stCondLst>
+                                            <p:cond delay="0"/>
+                                          </p:stCondLst>
+                                        </p:cTn>
+                                        <p:tgtEl>
+                                          <p:spTgt spid="7">
+                                            <p:txEl>
+                                              <p:pRg st="0" end="0"/>
+                                            </p:txEl>
+                                          </p:spTgt>
+                                        </p:tgtEl>
+                                        <p:attrNameLst>
+                                          <p:attrName>style.visibility</p:attrName>
+                                        </p:attrNameLst>
+                                      </p:cBhvr>
+                                      <p:to>
+                                        <p:strVal val="visible"/>
+                                      </p:to>
+                                    </p:set>
+                                  </p:childTnLst>
+                                </p:cTn>
+                              </p:par>
+                            </p:childTnLst>
+                          </p:cTn>
+                        </p:par>
+                      </p:childTnLst>
+                    </p:cTn>
+                  </p:par>
+                  <p:par>
+                    <p:cTn id="7" fill="hold">
+                      <p:stCondLst>
+                        <p:cond delay="indefinite"/>
+                      </p:stCondLst>
+                      <p:childTnLst>
+                        <p:par>
+                          <p:cTn id="8" fill="hold">
+                            <p:stCondLst>
+                              <p:cond delay="0"/>
+                            </p:stCondLst>
+                            <p:childTnLst>
+                              <p:par>
+                                <p:cTn id="9" presetID="1" presetClass="entr" presetSubtype="0" fill="hold" nodeType="clickEffect">
+                                  <p:stCondLst>
+                                    <p:cond delay="0"/>
+                                  </p:stCondLst>
+                                  <p:childTnLst>
+                                    <p:set>
+                                      <p:cBhvr>
+                                        <p:cTn id="10" dur="1" fill="hold">
+                                          <p:stCondLst>
+                                            <p:cond delay="0"/>
+                                          </p:stCondLst>
+                                        </p:cTn>
+                                        <p:tgtEl>
+                                          <p:spTgt spid="7">
+                                            <p:txEl>
+                                              <p:pRg st="1" end="1"/>
+                                            </p:txEl>
+                                          </p:spTgt>
+                                        </p:tgtEl>
+                                        <p:attrNameLst>
+                                          <p:attrName>style.visibility</p:attrName>
+                                        </p:attrNameLst>
+                                      </p:cBhvr>
+                                      <p:to>
+                                        <p:strVal val="visible"/>
+                                      </p:to>
+                                    </p:set>
+                                  </p:childTnLst>
+                                </p:cTn>
+                              </p:par>
+                            </p:childTnLst>
+                          </p:cTn>
+                        </p:par>
+                      </p:childTnLst>
+                    </p:cTn>
+                  </p:par>
+                  <p:par>
+                    <p:cTn id="11" fill="hold">
+                      <p:stCondLst>
+                        <p:cond delay="indefinite"/>
+                      </p:stCondLst>
+                      <p:childTnLst>
+                        <p:par>
+                          <p:cTn id="12" fill="hold">
+                            <p:stCondLst>
+                              <p:cond delay="0"/>
+                            </p:stCondLst>
+                            <p:childTnLst>
+                              <p:par>
+                                <p:cTn id="13" presetID="1" presetClass="entr" presetSubtype="0" fill="hold" nodeType="clickEffect">
+                                  <p:stCondLst>
+                                    <p:cond delay="0"/>
+                                  </p:stCondLst>
+                                  <p:childTnLst>
+                                    <p:set>
+                                      <p:cBhvr>
+                                        <p:cTn id="14" dur="1" fill="hold">
+                                          <p:stCondLst>
+                                            <p:cond delay="0"/>
+                                          </p:stCondLst>
+                                        </p:cTn>
+                                        <p:tgtEl>
+                                          <p:spTgt spid="7">
+                                            <p:txEl>
+                                              <p:pRg st="2" end="2"/>
+                                            </p:txEl>
+                                          </p:spTgt>
+                                        </p:tgtEl>
+                                        <p:attrNameLst>
+                                          <p:attrName>style.visibility</p:attrName>
+                                        </p:attrNameLst>
+                                      </p:cBhvr>
+                                      <p:to>
+                                        <p:strVal val="visible"/>
+                                      </p:to>
+                                    </p:set>
+                                  </p:childTnLst>
+                                </p:cTn>
+                              </p:par>
+                            </p:childTnLst>
+                          </p:cTn>
+                        </p:par>
+                      </p:childTnLst>
+                    </p:cTn>
+                  </p:par>
+                  <p:par>
+                    <p:cTn id="15" fill="hold">
+                      <p:stCondLst>
+                        <p:cond delay="indefinite"/>
+                      </p:stCondLst>
+                      <p:childTnLst>
+                        <p:par>
+                          <p:cTn id="16" fill="hold">
+                            <p:stCondLst>
+                              <p:cond delay="0"/>
+                            </p:stCondLst>
+                            <p:childTnLst>
+                              <p:par>
+                                <p:cTn id="17" presetID="1" presetClass="entr" presetSubtype="0" fill="hold" nodeType="clickEffect">
+                                  <p:stCondLst>
+                                    <p:cond delay="0"/>
+                                  </p:stCondLst>
+                                  <p:childTnLst>
+                                    <p:set>
+                                      <p:cBhvr>
+                                        <p:cTn id="18" dur="1" fill="hold">
+                                          <p:stCondLst>
+                                            <p:cond delay="0"/>
+                                          </p:stCondLst>
+                                        </p:cTn>
+                                        <p:tgtEl>
+                                          <p:spTgt spid="7">
+                                            <p:txEl>
+                                              <p:pRg st="4" end="4"/>
+                                            </p:txEl>
+                                          </p:spTgt>
+                                        </p:tgtEl>
+                                        <p:attrNameLst>
+                                          <p:attrName>style.visibility</p:attrName>
+                                        </p:attrNameLst>
+                                      </p:cBhvr>
+                                      <p:to>
+                                        <p:strVal val="visible"/>
+                                      </p:to>
+                                    </p:set>
+                                  </p:childTnLst>
+                                </p:cTn>
+                              </p:par>
+                            </p:childTnLst>
+                          </p:cTn>
+                        </p:par>
+                      </p:childTnLst>
+                    </p:cTn>
+                  </p:par>
+                  <p:par>
+                    <p:cTn id="19" fill="hold">
+                      <p:stCondLst>
+                        <p:cond delay="indefinite"/>
+                      </p:stCondLst>
+                      <p:childTnLst>
+                        <p:par>
+                          <p:cTn id="20" fill="hold">
+                            <p:stCondLst>
+                              <p:cond delay="0"/>
+                            </p:stCondLst>
+                            <p:childTnLst>
+                              <p:par>
+                                <p:cTn id="21" presetID="1" presetClass="entr" presetSubtype="0" fill="hold" nodeType="clickEffect">
+                                  <p:stCondLst>
+                                    <p:cond delay="0"/>
+                                  </p:stCondLst>
+                                  <p:childTnLst>
+                                    <p:set>
+                                      <p:cBhvr>
+                                        <p:cTn id="22" dur="1" fill="hold">
+                                          <p:stCondLst>
+                                            <p:cond delay="0"/>
+                                          </p:stCondLst>
+                                        </p:cTn>
+                                        <p:tgtEl>
+                                          <p:spTgt spid="7">
+                                            <p:txEl>
+                                              <p:pRg st="5" end="5"/>
+                                            </p:txEl>
+                                          </p:spTgt>
+                                        </p:tgtEl>
+                                        <p:attrNameLst>
+                                          <p:attrName>style.visibility</p:attrName>
+                                        </p:attrNameLst>
+                                      </p:cBhvr>
+                                      <p:to>
+                                        <p:strVal val="visible"/>
+                                      </p:to>
+                                    </p:set>
+                                  </p:childTnLst>
+                                </p:cTn>
+                              </p:par>
+                            </p:childTnLst>
+                          </p:cTn>
+                        </p:par>
+                      </p:childTnLst>
+                    </p:cTn>
+                  </p:par>
+                  <p:par>
+                    <p:cTn id="23" fill="hold">
+                      <p:stCondLst>
+                        <p:cond delay="indefinite"/>
+                      </p:stCondLst>
+                      <p:childTnLst>
+                        <p:par>
+                          <p:cTn id="24" fill="hold">
+                            <p:stCondLst>
+                              <p:cond delay="0"/>
+                            </p:stCondLst>
+                            <p:childTnLst>
+                              <p:par>
+                                <p:cTn id="25" presetID="1" presetClass="entr" presetSubtype="0" fill="hold" nodeType="clickEffect">
+                                  <p:stCondLst>
+                                    <p:cond delay="0"/>
+                                  </p:stCondLst>
+                                  <p:childTnLst>
+                                    <p:set>
+                                      <p:cBhvr>
+                                        <p:cTn id="26" dur="1" fill="hold">
+                                          <p:stCondLst>
+                                            <p:cond delay="0"/>
+                                          </p:stCondLst>
+                                        </p:cTn>
+                                        <p:tgtEl>
+                                          <p:spTgt spid="7">
+                                            <p:txEl>
+                                              <p:pRg st="7" end="7"/>
+                                            </p:txEl>
+                                          </p:spTgt>
+                                        </p:tgtEl>
+                                        <p:attrNameLst>
+                                          <p:attrName>style.visibility</p:attrName>
+                                        </p:attrNameLst>
+                                      </p:cBhvr>
+                                      <p:to>
+                                        <p:strVal val="visible"/>
+                                      </p:to>
+                                    </p:set>
+                                  </p:childTnLst>
+                                </p:cTn>
+                              </p:par>
+                            </p:childTnLst>
+                          </p:cTn>
+                        </p:par>
+                      </p:childTnLst>
+                    </p:cTn>
+                  </p:par>
+                  <p:par>
+                    <p:cTn id="27" fill="hold">
+                      <p:stCondLst>
+                        <p:cond delay="indefinite"/>
+                      </p:stCondLst>
+                      <p:childTnLst>
+                        <p:par>
+                          <p:cTn id="28" fill="hold">
+                            <p:stCondLst>
+                              <p:cond delay="0"/>
+                            </p:stCondLst>
+                            <p:childTnLst>
+                              <p:par>
+                                <p:cTn id="29" presetID="1" presetClass="entr" presetSubtype="0" fill="hold" nodeType="clickEffect">
+                                  <p:stCondLst>
+                                    <p:cond delay="0"/>
+                                  </p:stCondLst>
+                                  <p:childTnLst>
+                                    <p:set>
+                                      <p:cBhvr>
+                                        <p:cTn id="30" dur="1" fill="hold">
+                                          <p:stCondLst>
+                                            <p:cond delay="0"/>
+                                          </p:stCondLst>
+                                        </p:cTn>
+                                        <p:tgtEl>
+                                          <p:spTgt spid="7">
+                                            <p:txEl>
+                                              <p:pRg st="9" end="9"/>
+                                            </p:txEl>
+                                          </p:spTgt>
+                                        </p:tgtEl>
+                                        <p:attrNameLst>
+                                          <p:attrName>style.visibility</p:attrName>
+                                        </p:attrNameLst>
+                                      </p:cBhvr>
+                                      <p:to>
+                                        <p:strVal val="visible"/>
+                                      </p:to>
+                                    </p:set>
+                                  </p:childTnLst>
+                                </p:cTn>
+                              </p:par>
+                            </p:childTnLst>
+                          </p:cTn>
+                        </p:par>
+                      </p:childTnLst>
+                    </p:cTn>
+                  </p:par>
+                  <p:par>
+                    <p:cTn id="31" fill="hold">
+                      <p:stCondLst>
+                        <p:cond delay="indefinite"/>
+                      </p:stCondLst>
+                      <p:childTnLst>
+                        <p:par>
+                          <p:cTn id="32" fill="hold">
+                            <p:stCondLst>
+                              <p:cond delay="0"/>
+                            </p:stCondLst>
+                            <p:childTnLst>
+                              <p:par>
+                                <p:cTn id="33" presetID="1" presetClass="entr" presetSubtype="0" fill="hold" nodeType="clickEffect">
+                                  <p:stCondLst>
+                                    <p:cond delay="0"/>
+                                  </p:stCondLst>
+                                  <p:childTnLst>
+                                    <p:set>
+                                      <p:cBhvr>
+                                        <p:cTn id="34" dur="1" fill="hold">
+                                          <p:stCondLst>
+                                            <p:cond delay="0"/>
+                                          </p:stCondLst>
+                                        </p:cTn>
+                                        <p:tgtEl>
+                                          <p:spTgt spid="7">
+                                            <p:txEl>
+                                              <p:pRg st="10" end="10"/>
+                                            </p:txEl>
+                                          </p:spTgt>
+                                        </p:tgtEl>
+                                        <p:attrNameLst>
+                                          <p:attrName>style.visibility</p:attrName>
+                                        </p:attrNameLst>
+                                      </p:cBhvr>
+                                      <p:to>
+                                        <p:strVal val="visible"/>
+                                      </p:to>
+                                    </p:set>
+                                  </p:childTnLst>
+                                </p:cTn>
+                              </p:par>
+                            </p:childTnLst>
+                          </p:cTn>
+                        </p:par>
+                      </p:childTnLst>
+                    </p:cTn>
+                  </p:par>
+                </p:childTnLst>
+              </p:cTn>
+              <p:prevCondLst>
+                <p:cond evt="onPrev" delay="0">
+                  <p:tgtEl>
+                    <p:sldTgt/>
+                  </p:tgtEl>
+                </p:cond>
+              </p:prevCondLst>
+              <p:nextCondLst>
+                <p:cond evt="onNext" delay="0">
+                  <p:tgtEl>
+                    <p:sldTgt/>
+                  </p:tgtEl>
+                </p:cond>
+              </p:nextCondLst>
+            </p:seq>
+          </p:childTnLst>
+        </p:cTn>
+      </p:par>
+    </p:tnLst>
+  </p:timing>
 </p:sld>
 </file>
 
